--- a/IMDB_presentation.pptx
+++ b/IMDB_presentation.pptx
@@ -10265,7 +10265,7 @@
           <a:effectLst/>
         </c:spPr>
         <c:txPr>
-          <a:bodyPr rot="0" spcFirstLastPara="1" vertOverflow="ellipsis" vert="horz" wrap="square" anchor="ctr" anchorCtr="1"/>
+          <a:bodyPr rot="0" spcFirstLastPara="1" vertOverflow="ellipsis" wrap="square" anchor="ctr" anchorCtr="1"/>
           <a:lstStyle/>
           <a:p>
             <a:pPr>
@@ -10461,16 +10461,13 @@
               <a:buFontTx/>
               <a:buNone/>
               <a:tabLst/>
-              <a:defRPr sz="1862" b="0" i="0" u="none" strike="noStrike" kern="1200" spc="0" baseline="0">
+              <a:defRPr>
                 <a:solidFill>
                   <a:srgbClr val="000000">
                     <a:lumMod val="65000"/>
                     <a:lumOff val="35000"/>
                   </a:srgbClr>
                 </a:solidFill>
-                <a:latin typeface="+mn-lt"/>
-                <a:ea typeface="+mn-ea"/>
-                <a:cs typeface="+mn-cs"/>
               </a:defRPr>
             </a:pPr>
             <a:endParaRPr lang="en-US" dirty="0"/>
@@ -16001,7 +15998,7 @@
             <a:pPr rtl="0"/>
             <a:fld id="{EB190EFE-CCCB-4DCD-B1CF-8C3CB119D6FE}" type="datetime1">
               <a:rPr lang="it-IT" smtClean="0"/>
-              <a:t>03/08/2023</a:t>
+              <a:t>10/08/2023</a:t>
             </a:fld>
             <a:endParaRPr lang="it-IT" dirty="0"/>
           </a:p>
@@ -16182,7 +16179,7 @@
             <a:fld id="{526AC070-77AE-44FC-B0C8-108B581F9765}" type="datetime1">
               <a:rPr lang="it-IT" noProof="0" smtClean="0"/>
               <a:pPr/>
-              <a:t>03/08/2023</a:t>
+              <a:t>10/08/2023</a:t>
             </a:fld>
             <a:endParaRPr lang="it-IT" noProof="0" dirty="0"/>
           </a:p>
@@ -17292,7 +17289,7 @@
             <a:pPr rtl="0"/>
             <a:fld id="{73953276-A596-464E-8131-16FDC4642D35}" type="datetime1">
               <a:rPr lang="it-IT" noProof="0" smtClean="0"/>
-              <a:t>03/08/2023</a:t>
+              <a:t>10/08/2023</a:t>
             </a:fld>
             <a:endParaRPr lang="it-IT" noProof="0" dirty="0"/>
           </a:p>
@@ -17496,7 +17493,7 @@
             <a:pPr rtl="0"/>
             <a:fld id="{59F66E3F-D06F-47DA-A95C-C846DE23F8C0}" type="datetime1">
               <a:rPr lang="it-IT" noProof="0" smtClean="0"/>
-              <a:t>03/08/2023</a:t>
+              <a:t>10/08/2023</a:t>
             </a:fld>
             <a:endParaRPr lang="it-IT" noProof="0" dirty="0"/>
           </a:p>
@@ -17710,7 +17707,7 @@
             <a:pPr rtl="0"/>
             <a:fld id="{46FE6513-E3C7-4048-AC2F-41B0D1F6D895}" type="datetime1">
               <a:rPr lang="it-IT" noProof="0" smtClean="0"/>
-              <a:t>03/08/2023</a:t>
+              <a:t>10/08/2023</a:t>
             </a:fld>
             <a:endParaRPr lang="it-IT" noProof="0" dirty="0"/>
           </a:p>
@@ -17914,7 +17911,7 @@
             <a:pPr rtl="0"/>
             <a:fld id="{4CA1E7DF-6F8F-47CE-8C70-53A994FBF180}" type="datetime1">
               <a:rPr lang="it-IT" noProof="0" smtClean="0"/>
-              <a:t>03/08/2023</a:t>
+              <a:t>10/08/2023</a:t>
             </a:fld>
             <a:endParaRPr lang="it-IT" noProof="0" dirty="0"/>
           </a:p>
@@ -18194,7 +18191,7 @@
             <a:pPr rtl="0"/>
             <a:fld id="{2CFB8710-ABAB-4285-AF31-02779743E1F4}" type="datetime1">
               <a:rPr lang="it-IT" noProof="0" smtClean="0"/>
-              <a:t>03/08/2023</a:t>
+              <a:t>10/08/2023</a:t>
             </a:fld>
             <a:endParaRPr lang="it-IT" noProof="0" dirty="0"/>
           </a:p>
@@ -18466,7 +18463,7 @@
             <a:pPr rtl="0"/>
             <a:fld id="{FE1FD3F1-0F70-4F3C-841E-3B4B1A9982AD}" type="datetime1">
               <a:rPr lang="it-IT" noProof="0" smtClean="0"/>
-              <a:t>03/08/2023</a:t>
+              <a:t>10/08/2023</a:t>
             </a:fld>
             <a:endParaRPr lang="it-IT" noProof="0" dirty="0"/>
           </a:p>
@@ -18885,7 +18882,7 @@
             <a:pPr rtl="0"/>
             <a:fld id="{3195CD94-E959-4436-A899-6BFB5CD81E9E}" type="datetime1">
               <a:rPr lang="it-IT" noProof="0" smtClean="0"/>
-              <a:t>03/08/2023</a:t>
+              <a:t>10/08/2023</a:t>
             </a:fld>
             <a:endParaRPr lang="it-IT" noProof="0" dirty="0"/>
           </a:p>
@@ -19031,7 +19028,7 @@
             <a:pPr rtl="0"/>
             <a:fld id="{327B0C7F-749B-466A-A38A-03B1C8A2F06C}" type="datetime1">
               <a:rPr lang="it-IT" noProof="0" smtClean="0"/>
-              <a:t>03/08/2023</a:t>
+              <a:t>10/08/2023</a:t>
             </a:fld>
             <a:endParaRPr lang="it-IT" noProof="0" dirty="0"/>
           </a:p>
@@ -19147,7 +19144,7 @@
             <a:pPr rtl="0"/>
             <a:fld id="{DEC309BE-2E90-45F2-A626-98CE1308C9C4}" type="datetime1">
               <a:rPr lang="it-IT" noProof="0" smtClean="0"/>
-              <a:t>03/08/2023</a:t>
+              <a:t>10/08/2023</a:t>
             </a:fld>
             <a:endParaRPr lang="it-IT" noProof="0" dirty="0"/>
           </a:p>
@@ -19464,7 +19461,7 @@
             <a:pPr rtl="0"/>
             <a:fld id="{D7D791A9-9A19-4C7D-9EDF-F6B9F670B73C}" type="datetime1">
               <a:rPr lang="it-IT" noProof="0" smtClean="0"/>
-              <a:t>03/08/2023</a:t>
+              <a:t>10/08/2023</a:t>
             </a:fld>
             <a:endParaRPr lang="it-IT" noProof="0" dirty="0"/>
           </a:p>
@@ -19761,7 +19758,7 @@
             <a:pPr rtl="0"/>
             <a:fld id="{1C87147A-BE07-4D89-850F-642EAF1AAEA9}" type="datetime1">
               <a:rPr lang="it-IT" noProof="0" smtClean="0"/>
-              <a:t>03/08/2023</a:t>
+              <a:t>10/08/2023</a:t>
             </a:fld>
             <a:endParaRPr lang="it-IT" noProof="0" dirty="0"/>
           </a:p>
@@ -20006,7 +20003,7 @@
             <a:pPr rtl="0"/>
             <a:fld id="{750AD8DE-E201-43F1-B9CB-48547493CA6A}" type="datetime1">
               <a:rPr lang="it-IT" noProof="0" smtClean="0"/>
-              <a:t>03/08/2023</a:t>
+              <a:t>10/08/2023</a:t>
             </a:fld>
             <a:endParaRPr lang="it-IT" noProof="0" dirty="0"/>
           </a:p>
@@ -20473,7 +20470,7 @@
                 <a:effectLst/>
                 <a:latin typeface="Söhne"/>
               </a:rPr>
-              <a:t>URAVELING THE SILVER SCREEN</a:t>
+              <a:t>UNRAVELING THE SILVER SCREEN</a:t>
             </a:r>
             <a:br>
               <a:rPr lang="en-US" b="0" i="0" dirty="0">
@@ -28284,8 +28281,8 @@
         </p:blipFill>
         <p:spPr>
           <a:xfrm>
-            <a:off x="1781444" y="942884"/>
-            <a:ext cx="8629110" cy="4644000"/>
+            <a:off x="1781444" y="942888"/>
+            <a:ext cx="8629110" cy="4643991"/>
           </a:xfrm>
           <a:prstGeom prst="rect">
             <a:avLst/>

--- a/IMDB_presentation.pptx
+++ b/IMDB_presentation.pptx
@@ -164,7 +164,7 @@
 <file path=ppt/charts/chart1.xml><?xml version="1.0" encoding="utf-8"?>
 <c:chartSpace xmlns:c="http://schemas.openxmlformats.org/drawingml/2006/chart" xmlns:a="http://schemas.openxmlformats.org/drawingml/2006/main" xmlns:r="http://schemas.openxmlformats.org/officeDocument/2006/relationships" xmlns:c16r2="http://schemas.microsoft.com/office/drawing/2015/06/chart">
   <c:date1904 val="0"/>
-  <c:lang val="it-IT"/>
+  <c:lang val="en-GB"/>
   <c:roundedCorners val="0"/>
   <mc:AlternateContent xmlns:mc="http://schemas.openxmlformats.org/markup-compatibility/2006">
     <mc:Choice xmlns:c14="http://schemas.microsoft.com/office/drawing/2007/8/2/chart" Requires="c14">
@@ -1642,7 +1642,7 @@
 <file path=ppt/charts/chart10.xml><?xml version="1.0" encoding="utf-8"?>
 <c:chartSpace xmlns:c="http://schemas.openxmlformats.org/drawingml/2006/chart" xmlns:a="http://schemas.openxmlformats.org/drawingml/2006/main" xmlns:r="http://schemas.openxmlformats.org/officeDocument/2006/relationships" xmlns:c16r2="http://schemas.microsoft.com/office/drawing/2015/06/chart">
   <c:date1904 val="0"/>
-  <c:lang val="it-IT"/>
+  <c:lang val="en-GB"/>
   <c:roundedCorners val="0"/>
   <mc:AlternateContent xmlns:mc="http://schemas.openxmlformats.org/markup-compatibility/2006">
     <mc:Choice xmlns:c14="http://schemas.microsoft.com/office/drawing/2007/8/2/chart" Requires="c14">
@@ -1964,7 +1964,7 @@
 <file path=ppt/charts/chart2.xml><?xml version="1.0" encoding="utf-8"?>
 <c:chartSpace xmlns:c="http://schemas.openxmlformats.org/drawingml/2006/chart" xmlns:a="http://schemas.openxmlformats.org/drawingml/2006/main" xmlns:r="http://schemas.openxmlformats.org/officeDocument/2006/relationships" xmlns:c16r2="http://schemas.microsoft.com/office/drawing/2015/06/chart">
   <c:date1904 val="0"/>
-  <c:lang val="it-IT"/>
+  <c:lang val="en-GB"/>
   <c:roundedCorners val="0"/>
   <mc:AlternateContent xmlns:mc="http://schemas.openxmlformats.org/markup-compatibility/2006">
     <mc:Choice xmlns:c14="http://schemas.microsoft.com/office/drawing/2007/8/2/chart" Requires="c14">
@@ -7309,7 +7309,7 @@
 <file path=ppt/charts/chart3.xml><?xml version="1.0" encoding="utf-8"?>
 <c:chartSpace xmlns:c="http://schemas.openxmlformats.org/drawingml/2006/chart" xmlns:a="http://schemas.openxmlformats.org/drawingml/2006/main" xmlns:r="http://schemas.openxmlformats.org/officeDocument/2006/relationships" xmlns:c16r2="http://schemas.microsoft.com/office/drawing/2015/06/chart">
   <c:date1904 val="0"/>
-  <c:lang val="it-IT"/>
+  <c:lang val="en-GB"/>
   <c:roundedCorners val="0"/>
   <mc:AlternateContent xmlns:mc="http://schemas.openxmlformats.org/markup-compatibility/2006">
     <mc:Choice xmlns:c14="http://schemas.microsoft.com/office/drawing/2007/8/2/chart" Requires="c14">
@@ -7319,10 +7319,6 @@
       <c:style val="7"/>
     </mc:Fallback>
   </mc:AlternateContent>
-  <c:pivotSource>
-    <c:name>[IMDB.xlsx]Pivot Tables!Tabella pivot5</c:name>
-    <c:fmtId val="11"/>
-  </c:pivotSource>
   <c:chart>
     <c:title>
       <c:tx>
@@ -7380,282 +7376,6 @@
       </c:txPr>
     </c:title>
     <c:autoTitleDeleted val="0"/>
-    <c:pivotFmts>
-      <c:pivotFmt>
-        <c:idx val="0"/>
-        <c:spPr>
-          <a:solidFill>
-            <a:schemeClr val="accent5"/>
-          </a:solidFill>
-          <a:ln>
-            <a:noFill/>
-          </a:ln>
-          <a:effectLst/>
-        </c:spPr>
-        <c:marker>
-          <c:symbol val="none"/>
-        </c:marker>
-        <c:dLbl>
-          <c:idx val="0"/>
-          <c:spPr>
-            <a:noFill/>
-            <a:ln>
-              <a:noFill/>
-            </a:ln>
-            <a:effectLst/>
-          </c:spPr>
-          <c:txPr>
-            <a:bodyPr rot="0" spcFirstLastPara="1" vertOverflow="ellipsis" vert="horz" wrap="square" lIns="38100" tIns="19050" rIns="38100" bIns="19050" anchor="ctr" anchorCtr="1">
-              <a:spAutoFit/>
-            </a:bodyPr>
-            <a:lstStyle/>
-            <a:p>
-              <a:pPr>
-                <a:defRPr sz="900" b="0" i="0" u="none" strike="noStrike" kern="1200" baseline="0">
-                  <a:solidFill>
-                    <a:schemeClr val="tx1">
-                      <a:lumMod val="75000"/>
-                      <a:lumOff val="25000"/>
-                    </a:schemeClr>
-                  </a:solidFill>
-                  <a:latin typeface="+mn-lt"/>
-                  <a:ea typeface="+mn-ea"/>
-                  <a:cs typeface="+mn-cs"/>
-                </a:defRPr>
-              </a:pPr>
-              <a:endParaRPr lang="it-IT"/>
-            </a:p>
-          </c:txPr>
-          <c:showLegendKey val="0"/>
-          <c:showVal val="0"/>
-          <c:showCatName val="0"/>
-          <c:showSerName val="0"/>
-          <c:showPercent val="0"/>
-          <c:showBubbleSize val="0"/>
-          <c:extLst>
-            <c:ext xmlns:c15="http://schemas.microsoft.com/office/drawing/2012/chart" uri="{CE6537A1-D6FC-4f65-9D91-7224C49458BB}"/>
-          </c:extLst>
-        </c:dLbl>
-      </c:pivotFmt>
-      <c:pivotFmt>
-        <c:idx val="1"/>
-        <c:spPr>
-          <a:solidFill>
-            <a:schemeClr val="accent5"/>
-          </a:solidFill>
-          <a:ln>
-            <a:noFill/>
-          </a:ln>
-          <a:effectLst/>
-        </c:spPr>
-        <c:marker>
-          <c:symbol val="none"/>
-        </c:marker>
-        <c:dLbl>
-          <c:idx val="0"/>
-          <c:spPr>
-            <a:noFill/>
-            <a:ln>
-              <a:noFill/>
-            </a:ln>
-            <a:effectLst/>
-          </c:spPr>
-          <c:txPr>
-            <a:bodyPr rot="0" spcFirstLastPara="1" vertOverflow="ellipsis" vert="horz" wrap="square" lIns="38100" tIns="19050" rIns="38100" bIns="19050" anchor="ctr" anchorCtr="1">
-              <a:spAutoFit/>
-            </a:bodyPr>
-            <a:lstStyle/>
-            <a:p>
-              <a:pPr>
-                <a:defRPr sz="900" b="0" i="0" u="none" strike="noStrike" kern="1200" baseline="0">
-                  <a:solidFill>
-                    <a:schemeClr val="tx1">
-                      <a:lumMod val="75000"/>
-                      <a:lumOff val="25000"/>
-                    </a:schemeClr>
-                  </a:solidFill>
-                  <a:latin typeface="+mn-lt"/>
-                  <a:ea typeface="+mn-ea"/>
-                  <a:cs typeface="+mn-cs"/>
-                </a:defRPr>
-              </a:pPr>
-              <a:endParaRPr lang="it-IT"/>
-            </a:p>
-          </c:txPr>
-          <c:showLegendKey val="0"/>
-          <c:showVal val="0"/>
-          <c:showCatName val="0"/>
-          <c:showSerName val="0"/>
-          <c:showPercent val="0"/>
-          <c:showBubbleSize val="0"/>
-          <c:extLst>
-            <c:ext xmlns:c15="http://schemas.microsoft.com/office/drawing/2012/chart" uri="{CE6537A1-D6FC-4f65-9D91-7224C49458BB}"/>
-          </c:extLst>
-        </c:dLbl>
-      </c:pivotFmt>
-      <c:pivotFmt>
-        <c:idx val="2"/>
-        <c:spPr>
-          <a:solidFill>
-            <a:schemeClr val="accent5"/>
-          </a:solidFill>
-          <a:ln>
-            <a:noFill/>
-          </a:ln>
-          <a:effectLst/>
-        </c:spPr>
-        <c:marker>
-          <c:symbol val="none"/>
-        </c:marker>
-        <c:dLbl>
-          <c:idx val="0"/>
-          <c:spPr>
-            <a:noFill/>
-            <a:ln>
-              <a:noFill/>
-            </a:ln>
-            <a:effectLst/>
-          </c:spPr>
-          <c:txPr>
-            <a:bodyPr rot="0" spcFirstLastPara="1" vertOverflow="ellipsis" vert="horz" wrap="square" lIns="38100" tIns="19050" rIns="38100" bIns="19050" anchor="ctr" anchorCtr="1">
-              <a:spAutoFit/>
-            </a:bodyPr>
-            <a:lstStyle/>
-            <a:p>
-              <a:pPr>
-                <a:defRPr sz="900" b="0" i="0" u="none" strike="noStrike" kern="1200" baseline="0">
-                  <a:solidFill>
-                    <a:schemeClr val="bg1"/>
-                  </a:solidFill>
-                  <a:latin typeface="+mj-lt"/>
-                  <a:ea typeface="+mn-ea"/>
-                  <a:cs typeface="+mn-cs"/>
-                </a:defRPr>
-              </a:pPr>
-              <a:endParaRPr lang="it-IT"/>
-            </a:p>
-          </c:txPr>
-          <c:dLblPos val="inEnd"/>
-          <c:showLegendKey val="0"/>
-          <c:showVal val="1"/>
-          <c:showCatName val="0"/>
-          <c:showSerName val="0"/>
-          <c:showPercent val="0"/>
-          <c:showBubbleSize val="0"/>
-          <c:extLst>
-            <c:ext xmlns:c15="http://schemas.microsoft.com/office/drawing/2012/chart" uri="{CE6537A1-D6FC-4f65-9D91-7224C49458BB}"/>
-          </c:extLst>
-        </c:dLbl>
-      </c:pivotFmt>
-      <c:pivotFmt>
-        <c:idx val="3"/>
-        <c:spPr>
-          <a:solidFill>
-            <a:schemeClr val="accent5"/>
-          </a:solidFill>
-          <a:ln>
-            <a:noFill/>
-          </a:ln>
-          <a:effectLst/>
-        </c:spPr>
-        <c:marker>
-          <c:symbol val="none"/>
-        </c:marker>
-        <c:dLbl>
-          <c:idx val="0"/>
-          <c:spPr>
-            <a:noFill/>
-            <a:ln>
-              <a:noFill/>
-            </a:ln>
-            <a:effectLst/>
-          </c:spPr>
-          <c:txPr>
-            <a:bodyPr rot="0" spcFirstLastPara="1" vertOverflow="ellipsis" vert="horz" wrap="square" lIns="38100" tIns="19050" rIns="38100" bIns="19050" anchor="ctr" anchorCtr="1">
-              <a:spAutoFit/>
-            </a:bodyPr>
-            <a:lstStyle/>
-            <a:p>
-              <a:pPr>
-                <a:defRPr sz="900" b="0" i="0" u="none" strike="noStrike" kern="1200" baseline="0">
-                  <a:solidFill>
-                    <a:schemeClr val="bg1"/>
-                  </a:solidFill>
-                  <a:latin typeface="+mj-lt"/>
-                  <a:ea typeface="+mn-ea"/>
-                  <a:cs typeface="+mn-cs"/>
-                </a:defRPr>
-              </a:pPr>
-              <a:endParaRPr lang="it-IT"/>
-            </a:p>
-          </c:txPr>
-          <c:dLblPos val="inEnd"/>
-          <c:showLegendKey val="0"/>
-          <c:showVal val="1"/>
-          <c:showCatName val="0"/>
-          <c:showSerName val="0"/>
-          <c:showPercent val="0"/>
-          <c:showBubbleSize val="0"/>
-          <c:extLst>
-            <c:ext xmlns:c15="http://schemas.microsoft.com/office/drawing/2012/chart" uri="{CE6537A1-D6FC-4f65-9D91-7224C49458BB}"/>
-          </c:extLst>
-        </c:dLbl>
-      </c:pivotFmt>
-      <c:pivotFmt>
-        <c:idx val="4"/>
-        <c:spPr>
-          <a:solidFill>
-            <a:schemeClr val="accent5"/>
-          </a:solidFill>
-          <a:ln>
-            <a:noFill/>
-          </a:ln>
-          <a:effectLst/>
-        </c:spPr>
-        <c:marker>
-          <c:symbol val="none"/>
-        </c:marker>
-        <c:dLbl>
-          <c:idx val="0"/>
-          <c:spPr>
-            <a:noFill/>
-            <a:ln>
-              <a:noFill/>
-            </a:ln>
-            <a:effectLst/>
-          </c:spPr>
-          <c:txPr>
-            <a:bodyPr rot="0" spcFirstLastPara="1" vertOverflow="ellipsis" vert="horz" wrap="square" lIns="38100" tIns="19050" rIns="38100" bIns="19050" anchor="ctr" anchorCtr="1">
-              <a:spAutoFit/>
-            </a:bodyPr>
-            <a:lstStyle/>
-            <a:p>
-              <a:pPr>
-                <a:defRPr sz="900" b="0" i="0" u="none" strike="noStrike" kern="1200" baseline="0">
-                  <a:solidFill>
-                    <a:schemeClr val="bg1"/>
-                  </a:solidFill>
-                  <a:latin typeface="+mj-lt"/>
-                  <a:ea typeface="+mn-ea"/>
-                  <a:cs typeface="+mn-cs"/>
-                </a:defRPr>
-              </a:pPr>
-              <a:endParaRPr lang="it-IT"/>
-            </a:p>
-          </c:txPr>
-          <c:dLblPos val="inEnd"/>
-          <c:showLegendKey val="0"/>
-          <c:showVal val="1"/>
-          <c:showCatName val="0"/>
-          <c:showSerName val="0"/>
-          <c:showPercent val="0"/>
-          <c:showBubbleSize val="0"/>
-          <c:extLst>
-            <c:ext xmlns:c15="http://schemas.microsoft.com/office/drawing/2012/chart" uri="{CE6537A1-D6FC-4f65-9D91-7224C49458BB}"/>
-          </c:extLst>
-        </c:dLbl>
-      </c:pivotFmt>
-    </c:pivotFmts>
     <c:plotArea>
       <c:layout/>
       <c:barChart>
@@ -7667,11 +7387,11 @@
           <c:order val="0"/>
           <c:tx>
             <c:strRef>
-              <c:f>'Pivot Tables'!$H$1</c:f>
+              <c:f>Sheet1!$B$1</c:f>
               <c:strCache>
                 <c:ptCount val="1"/>
                 <c:pt idx="0">
-                  <c:v>Totale</c:v>
+                  <c:v>Minutes</c:v>
                 </c:pt>
               </c:strCache>
             </c:strRef>
@@ -7688,35 +7408,35 @@
           <c:invertIfNegative val="0"/>
           <c:cat>
             <c:strRef>
-              <c:f>'Pivot Tables'!$G$2:$G$7</c:f>
+              <c:f>Sheet1!$A$2:$A$6</c:f>
               <c:strCache>
                 <c:ptCount val="5"/>
                 <c:pt idx="0">
+                  <c:v>The Hateful Eight</c:v>
+                </c:pt>
+                <c:pt idx="1">
+                  <c:v>The Wolf of Wall Street</c:v>
+                </c:pt>
+                <c:pt idx="2">
+                  <c:v>La vie d'Adèle</c:v>
+                </c:pt>
+                <c:pt idx="3">
                   <c:v>Cloud Atlas</c:v>
                 </c:pt>
-                <c:pt idx="1">
-                  <c:v>La vie d'Adèle</c:v>
-                </c:pt>
-                <c:pt idx="2">
-                  <c:v>The Wolf of Wall Street</c:v>
-                </c:pt>
-                <c:pt idx="3">
-                  <c:v>The Hateful Eight</c:v>
-                </c:pt>
                 <c:pt idx="4">
-                  <c:v>The Host</c:v>
+                  <c:v>3 Idiots</c:v>
                 </c:pt>
               </c:strCache>
             </c:strRef>
           </c:cat>
           <c:val>
             <c:numRef>
-              <c:f>'Pivot Tables'!$H$2:$H$7</c:f>
+              <c:f>Sheet1!$B$2:$B$6</c:f>
               <c:numCache>
                 <c:formatCode>General</c:formatCode>
                 <c:ptCount val="5"/>
                 <c:pt idx="0">
-                  <c:v>172</c:v>
+                  <c:v>187</c:v>
                 </c:pt>
                 <c:pt idx="1">
                   <c:v>180</c:v>
@@ -7725,17 +7445,17 @@
                   <c:v>180</c:v>
                 </c:pt>
                 <c:pt idx="3">
-                  <c:v>187</c:v>
+                  <c:v>172</c:v>
                 </c:pt>
                 <c:pt idx="4">
-                  <c:v>245</c:v>
+                  <c:v>170</c:v>
                 </c:pt>
               </c:numCache>
             </c:numRef>
           </c:val>
           <c:extLst>
             <c:ext xmlns:c16="http://schemas.microsoft.com/office/drawing/2014/chart" uri="{C3380CC4-5D6E-409C-BE32-E72D297353CC}">
-              <c16:uniqueId val="{00000000-5EB4-45D0-9A1E-8407F038B0E7}"/>
+              <c16:uniqueId val="{00000000-734F-42FF-AD6D-E7E4FF6DC13E}"/>
             </c:ext>
           </c:extLst>
         </c:ser>
@@ -7748,11 +7468,11 @@
           <c:showBubbleSize val="0"/>
         </c:dLbls>
         <c:gapWidth val="182"/>
-        <c:axId val="1968064832"/>
-        <c:axId val="838936768"/>
+        <c:axId val="337365136"/>
+        <c:axId val="572848143"/>
       </c:barChart>
       <c:catAx>
-        <c:axId val="1968064832"/>
+        <c:axId val="337365136"/>
         <c:scaling>
           <c:orientation val="minMax"/>
         </c:scaling>
@@ -7795,7 +7515,7 @@
             <a:endParaRPr lang="it-IT"/>
           </a:p>
         </c:txPr>
-        <c:crossAx val="838936768"/>
+        <c:crossAx val="572848143"/>
         <c:crosses val="autoZero"/>
         <c:auto val="1"/>
         <c:lblAlgn val="ctr"/>
@@ -7803,7 +7523,7 @@
         <c:noMultiLvlLbl val="0"/>
       </c:catAx>
       <c:valAx>
-        <c:axId val="838936768"/>
+        <c:axId val="572848143"/>
         <c:scaling>
           <c:orientation val="minMax"/>
         </c:scaling>
@@ -7854,7 +7574,7 @@
             <a:endParaRPr lang="it-IT"/>
           </a:p>
         </c:txPr>
-        <c:crossAx val="1968064832"/>
+        <c:crossAx val="337365136"/>
         <c:crosses val="autoZero"/>
         <c:crossBetween val="between"/>
       </c:valAx>
@@ -7897,27 +7617,13 @@
   <c:externalData r:id="rId3">
     <c:autoUpdate val="0"/>
   </c:externalData>
-  <c:extLst>
-    <c:ext xmlns:c14="http://schemas.microsoft.com/office/drawing/2007/8/2/chart" uri="{781A3756-C4B2-4CAC-9D66-4F8BD8637D16}">
-      <c14:pivotOptions>
-        <c14:dropZoneFilter val="1"/>
-        <c14:dropZoneCategories val="1"/>
-        <c14:dropZoneData val="1"/>
-      </c14:pivotOptions>
-    </c:ext>
-    <c:ext xmlns:c16="http://schemas.microsoft.com/office/drawing/2014/chart" uri="{E28EC0CA-F0BB-4C9C-879D-F8772B89E7AC}">
-      <c16:pivotOptions16>
-        <c16:showExpandCollapseFieldButtons val="1"/>
-      </c16:pivotOptions16>
-    </c:ext>
-  </c:extLst>
 </c:chartSpace>
 </file>
 
 <file path=ppt/charts/chart4.xml><?xml version="1.0" encoding="utf-8"?>
 <c:chartSpace xmlns:c="http://schemas.openxmlformats.org/drawingml/2006/chart" xmlns:a="http://schemas.openxmlformats.org/drawingml/2006/main" xmlns:r="http://schemas.openxmlformats.org/officeDocument/2006/relationships" xmlns:c16r2="http://schemas.microsoft.com/office/drawing/2015/06/chart">
   <c:date1904 val="0"/>
-  <c:lang val="it-IT"/>
+  <c:lang val="en-GB"/>
   <c:roundedCorners val="0"/>
   <mc:AlternateContent xmlns:mc="http://schemas.openxmlformats.org/markup-compatibility/2006">
     <mc:Choice xmlns:c14="http://schemas.microsoft.com/office/drawing/2007/8/2/chart" Requires="c14">
@@ -8448,7 +8154,7 @@
 <file path=ppt/charts/chart5.xml><?xml version="1.0" encoding="utf-8"?>
 <c:chartSpace xmlns:c="http://schemas.openxmlformats.org/drawingml/2006/chart" xmlns:a="http://schemas.openxmlformats.org/drawingml/2006/main" xmlns:r="http://schemas.openxmlformats.org/officeDocument/2006/relationships" xmlns:c16r2="http://schemas.microsoft.com/office/drawing/2015/06/chart">
   <c:date1904 val="0"/>
-  <c:lang val="it-IT"/>
+  <c:lang val="en-GB"/>
   <c:roundedCorners val="0"/>
   <mc:AlternateContent xmlns:mc="http://schemas.openxmlformats.org/markup-compatibility/2006">
     <mc:Choice xmlns:c14="http://schemas.microsoft.com/office/drawing/2007/8/2/chart" Requires="c14">
@@ -9086,7 +8792,7 @@
 <file path=ppt/charts/chart6.xml><?xml version="1.0" encoding="utf-8"?>
 <c:chartSpace xmlns:c="http://schemas.openxmlformats.org/drawingml/2006/chart" xmlns:a="http://schemas.openxmlformats.org/drawingml/2006/main" xmlns:r="http://schemas.openxmlformats.org/officeDocument/2006/relationships" xmlns:c16r2="http://schemas.microsoft.com/office/drawing/2015/06/chart">
   <c:date1904 val="0"/>
-  <c:lang val="it-IT"/>
+  <c:lang val="en-GB"/>
   <c:roundedCorners val="0"/>
   <mc:AlternateContent xmlns:mc="http://schemas.openxmlformats.org/markup-compatibility/2006">
     <mc:Choice xmlns:c14="http://schemas.microsoft.com/office/drawing/2007/8/2/chart" Requires="c14">
@@ -9744,7 +9450,7 @@
 <file path=ppt/charts/chart7.xml><?xml version="1.0" encoding="utf-8"?>
 <c:chartSpace xmlns:c="http://schemas.openxmlformats.org/drawingml/2006/chart" xmlns:a="http://schemas.openxmlformats.org/drawingml/2006/main" xmlns:r="http://schemas.openxmlformats.org/officeDocument/2006/relationships" xmlns:c16r2="http://schemas.microsoft.com/office/drawing/2015/06/chart">
   <c:date1904 val="0"/>
-  <c:lang val="it-IT"/>
+  <c:lang val="en-GB"/>
   <c:roundedCorners val="0"/>
   <mc:AlternateContent xmlns:mc="http://schemas.openxmlformats.org/markup-compatibility/2006">
     <mc:Choice xmlns:c14="http://schemas.microsoft.com/office/drawing/2007/8/2/chart" Requires="c14">
@@ -10066,7 +9772,7 @@
 <file path=ppt/charts/chart8.xml><?xml version="1.0" encoding="utf-8"?>
 <c:chartSpace xmlns:c="http://schemas.openxmlformats.org/drawingml/2006/chart" xmlns:a="http://schemas.openxmlformats.org/drawingml/2006/main" xmlns:r="http://schemas.openxmlformats.org/officeDocument/2006/relationships" xmlns:c16r2="http://schemas.microsoft.com/office/drawing/2015/06/chart">
   <c:date1904 val="0"/>
-  <c:lang val="it-IT"/>
+  <c:lang val="en-GB"/>
   <c:roundedCorners val="0"/>
   <mc:AlternateContent xmlns:mc="http://schemas.openxmlformats.org/markup-compatibility/2006">
     <mc:Choice xmlns:c14="http://schemas.microsoft.com/office/drawing/2007/8/2/chart" Requires="c14">
@@ -10394,7 +10100,7 @@
 <file path=ppt/charts/chart9.xml><?xml version="1.0" encoding="utf-8"?>
 <c:chartSpace xmlns:c="http://schemas.openxmlformats.org/drawingml/2006/chart" xmlns:a="http://schemas.openxmlformats.org/drawingml/2006/main" xmlns:r="http://schemas.openxmlformats.org/officeDocument/2006/relationships" xmlns:c16r2="http://schemas.microsoft.com/office/drawing/2015/06/chart">
   <c:date1904 val="0"/>
-  <c:lang val="it-IT"/>
+  <c:lang val="en-GB"/>
   <c:roundedCorners val="0"/>
   <mc:AlternateContent xmlns:mc="http://schemas.openxmlformats.org/markup-compatibility/2006">
     <mc:Choice xmlns:c14="http://schemas.microsoft.com/office/drawing/2007/8/2/chart" Requires="c14">
@@ -15998,7 +15704,7 @@
             <a:pPr rtl="0"/>
             <a:fld id="{EB190EFE-CCCB-4DCD-B1CF-8C3CB119D6FE}" type="datetime1">
               <a:rPr lang="it-IT" smtClean="0"/>
-              <a:t>10/08/2023</a:t>
+              <a:t>17/08/2023</a:t>
             </a:fld>
             <a:endParaRPr lang="it-IT" dirty="0"/>
           </a:p>
@@ -16078,7 +15784,7 @@
             <a:pPr rtl="0"/>
             <a:fld id="{B4E85F6F-0FAD-4AD4-850C-7E4CD14D7D70}" type="slidenum">
               <a:rPr lang="it-IT" smtClean="0"/>
-              <a:t>‹N›</a:t>
+              <a:t>‹#›</a:t>
             </a:fld>
             <a:endParaRPr lang="it-IT" dirty="0"/>
           </a:p>
@@ -16179,7 +15885,7 @@
             <a:fld id="{526AC070-77AE-44FC-B0C8-108B581F9765}" type="datetime1">
               <a:rPr lang="it-IT" noProof="0" smtClean="0"/>
               <a:pPr/>
-              <a:t>10/08/2023</a:t>
+              <a:t>17/08/2023</a:t>
             </a:fld>
             <a:endParaRPr lang="it-IT" noProof="0" dirty="0"/>
           </a:p>
@@ -16340,7 +16046,7 @@
             <a:pPr rtl="0"/>
             <a:fld id="{BE60DC36-8EFA-4378-9855-E019C55AC472}" type="slidenum">
               <a:rPr lang="it-IT" noProof="0" smtClean="0"/>
-              <a:t>‹N›</a:t>
+              <a:t>‹#›</a:t>
             </a:fld>
             <a:endParaRPr lang="it-IT" noProof="0" dirty="0"/>
           </a:p>
@@ -17289,7 +16995,7 @@
             <a:pPr rtl="0"/>
             <a:fld id="{73953276-A596-464E-8131-16FDC4642D35}" type="datetime1">
               <a:rPr lang="it-IT" noProof="0" smtClean="0"/>
-              <a:t>10/08/2023</a:t>
+              <a:t>17/08/2023</a:t>
             </a:fld>
             <a:endParaRPr lang="it-IT" noProof="0" dirty="0"/>
           </a:p>
@@ -17345,7 +17051,7 @@
             <a:pPr rtl="0"/>
             <a:fld id="{06FEDF93-2BFD-41CA-ABC7-B039102F3792}" type="slidenum">
               <a:rPr lang="it-IT" noProof="0" smtClean="0"/>
-              <a:t>‹N›</a:t>
+              <a:t>‹#›</a:t>
             </a:fld>
             <a:endParaRPr lang="it-IT" noProof="0" dirty="0"/>
           </a:p>
@@ -17493,7 +17199,7 @@
             <a:pPr rtl="0"/>
             <a:fld id="{59F66E3F-D06F-47DA-A95C-C846DE23F8C0}" type="datetime1">
               <a:rPr lang="it-IT" noProof="0" smtClean="0"/>
-              <a:t>10/08/2023</a:t>
+              <a:t>17/08/2023</a:t>
             </a:fld>
             <a:endParaRPr lang="it-IT" noProof="0" dirty="0"/>
           </a:p>
@@ -17549,7 +17255,7 @@
             <a:pPr rtl="0"/>
             <a:fld id="{06FEDF93-2BFD-41CA-ABC7-B039102F3792}" type="slidenum">
               <a:rPr lang="it-IT" noProof="0" smtClean="0"/>
-              <a:t>‹N›</a:t>
+              <a:t>‹#›</a:t>
             </a:fld>
             <a:endParaRPr lang="it-IT" noProof="0" dirty="0"/>
           </a:p>
@@ -17707,7 +17413,7 @@
             <a:pPr rtl="0"/>
             <a:fld id="{46FE6513-E3C7-4048-AC2F-41B0D1F6D895}" type="datetime1">
               <a:rPr lang="it-IT" noProof="0" smtClean="0"/>
-              <a:t>10/08/2023</a:t>
+              <a:t>17/08/2023</a:t>
             </a:fld>
             <a:endParaRPr lang="it-IT" noProof="0" dirty="0"/>
           </a:p>
@@ -17763,7 +17469,7 @@
             <a:pPr rtl="0"/>
             <a:fld id="{06FEDF93-2BFD-41CA-ABC7-B039102F3792}" type="slidenum">
               <a:rPr lang="it-IT" noProof="0" smtClean="0"/>
-              <a:t>‹N›</a:t>
+              <a:t>‹#›</a:t>
             </a:fld>
             <a:endParaRPr lang="it-IT" noProof="0" dirty="0"/>
           </a:p>
@@ -17911,7 +17617,7 @@
             <a:pPr rtl="0"/>
             <a:fld id="{4CA1E7DF-6F8F-47CE-8C70-53A994FBF180}" type="datetime1">
               <a:rPr lang="it-IT" noProof="0" smtClean="0"/>
-              <a:t>10/08/2023</a:t>
+              <a:t>17/08/2023</a:t>
             </a:fld>
             <a:endParaRPr lang="it-IT" noProof="0" dirty="0"/>
           </a:p>
@@ -17967,7 +17673,7 @@
             <a:pPr rtl="0"/>
             <a:fld id="{06FEDF93-2BFD-41CA-ABC7-B039102F3792}" type="slidenum">
               <a:rPr lang="it-IT" noProof="0" smtClean="0"/>
-              <a:t>‹N›</a:t>
+              <a:t>‹#›</a:t>
             </a:fld>
             <a:endParaRPr lang="it-IT" noProof="0" dirty="0"/>
           </a:p>
@@ -18191,7 +17897,7 @@
             <a:pPr rtl="0"/>
             <a:fld id="{2CFB8710-ABAB-4285-AF31-02779743E1F4}" type="datetime1">
               <a:rPr lang="it-IT" noProof="0" smtClean="0"/>
-              <a:t>10/08/2023</a:t>
+              <a:t>17/08/2023</a:t>
             </a:fld>
             <a:endParaRPr lang="it-IT" noProof="0" dirty="0"/>
           </a:p>
@@ -18247,7 +17953,7 @@
             <a:pPr rtl="0"/>
             <a:fld id="{06FEDF93-2BFD-41CA-ABC7-B039102F3792}" type="slidenum">
               <a:rPr lang="it-IT" noProof="0" smtClean="0"/>
-              <a:t>‹N›</a:t>
+              <a:t>‹#›</a:t>
             </a:fld>
             <a:endParaRPr lang="it-IT" noProof="0" dirty="0"/>
           </a:p>
@@ -18463,7 +18169,7 @@
             <a:pPr rtl="0"/>
             <a:fld id="{FE1FD3F1-0F70-4F3C-841E-3B4B1A9982AD}" type="datetime1">
               <a:rPr lang="it-IT" noProof="0" smtClean="0"/>
-              <a:t>10/08/2023</a:t>
+              <a:t>17/08/2023</a:t>
             </a:fld>
             <a:endParaRPr lang="it-IT" noProof="0" dirty="0"/>
           </a:p>
@@ -18519,7 +18225,7 @@
             <a:pPr rtl="0"/>
             <a:fld id="{06FEDF93-2BFD-41CA-ABC7-B039102F3792}" type="slidenum">
               <a:rPr lang="it-IT" noProof="0" smtClean="0"/>
-              <a:t>‹N›</a:t>
+              <a:t>‹#›</a:t>
             </a:fld>
             <a:endParaRPr lang="it-IT" noProof="0" dirty="0"/>
           </a:p>
@@ -18882,7 +18588,7 @@
             <a:pPr rtl="0"/>
             <a:fld id="{3195CD94-E959-4436-A899-6BFB5CD81E9E}" type="datetime1">
               <a:rPr lang="it-IT" noProof="0" smtClean="0"/>
-              <a:t>10/08/2023</a:t>
+              <a:t>17/08/2023</a:t>
             </a:fld>
             <a:endParaRPr lang="it-IT" noProof="0" dirty="0"/>
           </a:p>
@@ -18938,7 +18644,7 @@
             <a:pPr rtl="0"/>
             <a:fld id="{06FEDF93-2BFD-41CA-ABC7-B039102F3792}" type="slidenum">
               <a:rPr lang="it-IT" noProof="0" smtClean="0"/>
-              <a:t>‹N›</a:t>
+              <a:t>‹#›</a:t>
             </a:fld>
             <a:endParaRPr lang="it-IT" noProof="0" dirty="0"/>
           </a:p>
@@ -19028,7 +18734,7 @@
             <a:pPr rtl="0"/>
             <a:fld id="{327B0C7F-749B-466A-A38A-03B1C8A2F06C}" type="datetime1">
               <a:rPr lang="it-IT" noProof="0" smtClean="0"/>
-              <a:t>10/08/2023</a:t>
+              <a:t>17/08/2023</a:t>
             </a:fld>
             <a:endParaRPr lang="it-IT" noProof="0" dirty="0"/>
           </a:p>
@@ -19084,7 +18790,7 @@
             <a:pPr rtl="0"/>
             <a:fld id="{06FEDF93-2BFD-41CA-ABC7-B039102F3792}" type="slidenum">
               <a:rPr lang="it-IT" noProof="0" smtClean="0"/>
-              <a:t>‹N›</a:t>
+              <a:t>‹#›</a:t>
             </a:fld>
             <a:endParaRPr lang="it-IT" noProof="0" dirty="0"/>
           </a:p>
@@ -19144,7 +18850,7 @@
             <a:pPr rtl="0"/>
             <a:fld id="{DEC309BE-2E90-45F2-A626-98CE1308C9C4}" type="datetime1">
               <a:rPr lang="it-IT" noProof="0" smtClean="0"/>
-              <a:t>10/08/2023</a:t>
+              <a:t>17/08/2023</a:t>
             </a:fld>
             <a:endParaRPr lang="it-IT" noProof="0" dirty="0"/>
           </a:p>
@@ -19200,7 +18906,7 @@
             <a:pPr rtl="0"/>
             <a:fld id="{06FEDF93-2BFD-41CA-ABC7-B039102F3792}" type="slidenum">
               <a:rPr lang="it-IT" noProof="0" smtClean="0"/>
-              <a:t>‹N›</a:t>
+              <a:t>‹#›</a:t>
             </a:fld>
             <a:endParaRPr lang="it-IT" noProof="0" dirty="0"/>
           </a:p>
@@ -19461,7 +19167,7 @@
             <a:pPr rtl="0"/>
             <a:fld id="{D7D791A9-9A19-4C7D-9EDF-F6B9F670B73C}" type="datetime1">
               <a:rPr lang="it-IT" noProof="0" smtClean="0"/>
-              <a:t>10/08/2023</a:t>
+              <a:t>17/08/2023</a:t>
             </a:fld>
             <a:endParaRPr lang="it-IT" noProof="0" dirty="0"/>
           </a:p>
@@ -19517,7 +19223,7 @@
             <a:pPr rtl="0"/>
             <a:fld id="{06FEDF93-2BFD-41CA-ABC7-B039102F3792}" type="slidenum">
               <a:rPr lang="it-IT" noProof="0" smtClean="0"/>
-              <a:t>‹N›</a:t>
+              <a:t>‹#›</a:t>
             </a:fld>
             <a:endParaRPr lang="it-IT" noProof="0" dirty="0"/>
           </a:p>
@@ -19758,7 +19464,7 @@
             <a:pPr rtl="0"/>
             <a:fld id="{1C87147A-BE07-4D89-850F-642EAF1AAEA9}" type="datetime1">
               <a:rPr lang="it-IT" noProof="0" smtClean="0"/>
-              <a:t>10/08/2023</a:t>
+              <a:t>17/08/2023</a:t>
             </a:fld>
             <a:endParaRPr lang="it-IT" noProof="0" dirty="0"/>
           </a:p>
@@ -19814,7 +19520,7 @@
             <a:pPr rtl="0"/>
             <a:fld id="{06FEDF93-2BFD-41CA-ABC7-B039102F3792}" type="slidenum">
               <a:rPr lang="it-IT" noProof="0" smtClean="0"/>
-              <a:t>‹N›</a:t>
+              <a:t>‹#›</a:t>
             </a:fld>
             <a:endParaRPr lang="it-IT" noProof="0" dirty="0"/>
           </a:p>
@@ -20003,7 +19709,7 @@
             <a:pPr rtl="0"/>
             <a:fld id="{750AD8DE-E201-43F1-B9CB-48547493CA6A}" type="datetime1">
               <a:rPr lang="it-IT" noProof="0" smtClean="0"/>
-              <a:t>10/08/2023</a:t>
+              <a:t>17/08/2023</a:t>
             </a:fld>
             <a:endParaRPr lang="it-IT" noProof="0" dirty="0"/>
           </a:p>
@@ -20095,7 +19801,7 @@
             <a:pPr rtl="0"/>
             <a:fld id="{06FEDF93-2BFD-41CA-ABC7-B039102F3792}" type="slidenum">
               <a:rPr lang="it-IT" noProof="0" smtClean="0"/>
-              <a:t>‹N›</a:t>
+              <a:t>‹#›</a:t>
             </a:fld>
             <a:endParaRPr lang="it-IT" noProof="0" dirty="0"/>
           </a:p>
@@ -26164,36 +25870,6 @@
           </a:graphicData>
         </a:graphic>
       </p:graphicFrame>
-      <p:graphicFrame>
-        <p:nvGraphicFramePr>
-          <p:cNvPr id="5" name="Grafico 4">
-            <a:extLst>
-              <a:ext uri="{FF2B5EF4-FFF2-40B4-BE49-F238E27FC236}">
-                <a16:creationId xmlns:a16="http://schemas.microsoft.com/office/drawing/2014/main" id="{AC8D104B-B699-4B24-9251-3D58A7550D26}"/>
-              </a:ext>
-            </a:extLst>
-          </p:cNvPr>
-          <p:cNvGraphicFramePr>
-            <a:graphicFrameLocks/>
-          </p:cNvGraphicFramePr>
-          <p:nvPr>
-            <p:extLst>
-              <p:ext uri="{D42A27DB-BD31-4B8C-83A1-F6EECF244321}">
-                <p14:modId xmlns:p14="http://schemas.microsoft.com/office/powerpoint/2010/main" val="713690509"/>
-              </p:ext>
-            </p:extLst>
-          </p:nvPr>
-        </p:nvGraphicFramePr>
-        <p:xfrm>
-          <a:off x="5870969" y="3627997"/>
-          <a:ext cx="5620996" cy="2707105"/>
-        </p:xfrm>
-        <a:graphic>
-          <a:graphicData uri="http://schemas.openxmlformats.org/drawingml/2006/chart">
-            <c:chart xmlns:c="http://schemas.openxmlformats.org/drawingml/2006/chart" xmlns:r="http://schemas.openxmlformats.org/officeDocument/2006/relationships" r:id="rId4"/>
-          </a:graphicData>
-        </a:graphic>
-      </p:graphicFrame>
       <p:cxnSp>
         <p:nvCxnSpPr>
           <p:cNvPr id="6" name="Connettore diritto 5">
@@ -26465,6 +26141,34 @@
           </a:p>
         </p:txBody>
       </p:sp>
+      <p:graphicFrame>
+        <p:nvGraphicFramePr>
+          <p:cNvPr id="11" name="Chart 10">
+            <a:extLst>
+              <a:ext uri="{FF2B5EF4-FFF2-40B4-BE49-F238E27FC236}">
+                <a16:creationId xmlns:a16="http://schemas.microsoft.com/office/drawing/2014/main" id="{A5B1FB4C-0FA3-75A5-CF75-30B9B50559DF}"/>
+              </a:ext>
+            </a:extLst>
+          </p:cNvPr>
+          <p:cNvGraphicFramePr/>
+          <p:nvPr>
+            <p:extLst>
+              <p:ext uri="{D42A27DB-BD31-4B8C-83A1-F6EECF244321}">
+                <p14:modId xmlns:p14="http://schemas.microsoft.com/office/powerpoint/2010/main" val="1198365772"/>
+              </p:ext>
+            </p:extLst>
+          </p:nvPr>
+        </p:nvGraphicFramePr>
+        <p:xfrm>
+          <a:off x="5870969" y="3628116"/>
+          <a:ext cx="5620996" cy="2707105"/>
+        </p:xfrm>
+        <a:graphic>
+          <a:graphicData uri="http://schemas.openxmlformats.org/drawingml/2006/chart">
+            <c:chart xmlns:c="http://schemas.openxmlformats.org/drawingml/2006/chart" xmlns:r="http://schemas.openxmlformats.org/officeDocument/2006/relationships" r:id="rId4"/>
+          </a:graphicData>
+        </a:graphic>
+      </p:graphicFrame>
     </p:spTree>
     <p:extLst>
       <p:ext uri="{BB962C8B-B14F-4D97-AF65-F5344CB8AC3E}">
@@ -28256,10 +27960,10 @@
       </p:sp>
       <p:pic>
         <p:nvPicPr>
-          <p:cNvPr id="4" name="Immagine 3">
+          <p:cNvPr id="6" name="Picture 5" descr="A close-up of a graph">
             <a:extLst>
               <a:ext uri="{FF2B5EF4-FFF2-40B4-BE49-F238E27FC236}">
-                <a16:creationId xmlns:a16="http://schemas.microsoft.com/office/drawing/2014/main" id="{05DB1F73-D09B-4348-9D26-3FCCB6C8091B}"/>
+                <a16:creationId xmlns:a16="http://schemas.microsoft.com/office/drawing/2014/main" id="{57874FD3-A399-D399-C8F5-5FDED2986768}"/>
               </a:ext>
             </a:extLst>
           </p:cNvPr>
@@ -28276,24 +27980,18 @@
               </a:ext>
             </a:extLst>
           </a:blip>
-          <a:srcRect/>
-          <a:stretch/>
+          <a:stretch>
+            <a:fillRect/>
+          </a:stretch>
         </p:blipFill>
         <p:spPr>
           <a:xfrm>
-            <a:off x="1781444" y="942888"/>
-            <a:ext cx="8629110" cy="4643991"/>
+            <a:off x="950767" y="1080590"/>
+            <a:ext cx="10290464" cy="4032000"/>
           </a:xfrm>
           <a:prstGeom prst="rect">
             <a:avLst/>
           </a:prstGeom>
-          <a:ln>
-            <a:solidFill>
-              <a:schemeClr val="bg1">
-                <a:lumMod val="95000"/>
-              </a:schemeClr>
-            </a:solidFill>
-          </a:ln>
         </p:spPr>
       </p:pic>
     </p:spTree>
